--- a/中越詩歌/跟從主_Đi từng bước.pptx
+++ b/中越詩歌/跟從主_Đi từng bước.pptx
@@ -128,6 +128,11 @@
       </a:defRPr>
     </a:lvl9pPr>
   </p:defaultTextStyle>
+  <p:extLst>
+    <p:ext uri="{EFAFB233-063F-42B5-8137-9DF3F51BA10A}">
+      <p15:sldGuideLst xmlns:p15="http://schemas.microsoft.com/office/powerpoint/2012/main"/>
+    </p:ext>
+  </p:extLst>
 </p:presentation>
 </file>
 
@@ -312,7 +317,7 @@
           <a:p>
             <a:fld id="{A287B2F1-08B8-4460-BD11-B65D993BFD8E}" type="datetimeFigureOut">
               <a:rPr lang="vi-VN" smtClean="0"/>
-              <a:t>20/08/2022</a:t>
+              <a:t>29/10/2022</a:t>
             </a:fld>
             <a:endParaRPr lang="vi-VN"/>
           </a:p>
@@ -482,7 +487,7 @@
           <a:p>
             <a:fld id="{A287B2F1-08B8-4460-BD11-B65D993BFD8E}" type="datetimeFigureOut">
               <a:rPr lang="vi-VN" smtClean="0"/>
-              <a:t>20/08/2022</a:t>
+              <a:t>29/10/2022</a:t>
             </a:fld>
             <a:endParaRPr lang="vi-VN"/>
           </a:p>
@@ -662,7 +667,7 @@
           <a:p>
             <a:fld id="{A287B2F1-08B8-4460-BD11-B65D993BFD8E}" type="datetimeFigureOut">
               <a:rPr lang="vi-VN" smtClean="0"/>
-              <a:t>20/08/2022</a:t>
+              <a:t>29/10/2022</a:t>
             </a:fld>
             <a:endParaRPr lang="vi-VN"/>
           </a:p>
@@ -832,7 +837,7 @@
           <a:p>
             <a:fld id="{A287B2F1-08B8-4460-BD11-B65D993BFD8E}" type="datetimeFigureOut">
               <a:rPr lang="vi-VN" smtClean="0"/>
-              <a:t>20/08/2022</a:t>
+              <a:t>29/10/2022</a:t>
             </a:fld>
             <a:endParaRPr lang="vi-VN"/>
           </a:p>
@@ -1078,7 +1083,7 @@
           <a:p>
             <a:fld id="{A287B2F1-08B8-4460-BD11-B65D993BFD8E}" type="datetimeFigureOut">
               <a:rPr lang="vi-VN" smtClean="0"/>
-              <a:t>20/08/2022</a:t>
+              <a:t>29/10/2022</a:t>
             </a:fld>
             <a:endParaRPr lang="vi-VN"/>
           </a:p>
@@ -1366,7 +1371,7 @@
           <a:p>
             <a:fld id="{A287B2F1-08B8-4460-BD11-B65D993BFD8E}" type="datetimeFigureOut">
               <a:rPr lang="vi-VN" smtClean="0"/>
-              <a:t>20/08/2022</a:t>
+              <a:t>29/10/2022</a:t>
             </a:fld>
             <a:endParaRPr lang="vi-VN"/>
           </a:p>
@@ -1788,7 +1793,7 @@
           <a:p>
             <a:fld id="{A287B2F1-08B8-4460-BD11-B65D993BFD8E}" type="datetimeFigureOut">
               <a:rPr lang="vi-VN" smtClean="0"/>
-              <a:t>20/08/2022</a:t>
+              <a:t>29/10/2022</a:t>
             </a:fld>
             <a:endParaRPr lang="vi-VN"/>
           </a:p>
@@ -1906,7 +1911,7 @@
           <a:p>
             <a:fld id="{A287B2F1-08B8-4460-BD11-B65D993BFD8E}" type="datetimeFigureOut">
               <a:rPr lang="vi-VN" smtClean="0"/>
-              <a:t>20/08/2022</a:t>
+              <a:t>29/10/2022</a:t>
             </a:fld>
             <a:endParaRPr lang="vi-VN"/>
           </a:p>
@@ -2001,7 +2006,7 @@
           <a:p>
             <a:fld id="{A287B2F1-08B8-4460-BD11-B65D993BFD8E}" type="datetimeFigureOut">
               <a:rPr lang="vi-VN" smtClean="0"/>
-              <a:t>20/08/2022</a:t>
+              <a:t>29/10/2022</a:t>
             </a:fld>
             <a:endParaRPr lang="vi-VN"/>
           </a:p>
@@ -2278,7 +2283,7 @@
           <a:p>
             <a:fld id="{A287B2F1-08B8-4460-BD11-B65D993BFD8E}" type="datetimeFigureOut">
               <a:rPr lang="vi-VN" smtClean="0"/>
-              <a:t>20/08/2022</a:t>
+              <a:t>29/10/2022</a:t>
             </a:fld>
             <a:endParaRPr lang="vi-VN"/>
           </a:p>
@@ -2535,7 +2540,7 @@
           <a:p>
             <a:fld id="{A287B2F1-08B8-4460-BD11-B65D993BFD8E}" type="datetimeFigureOut">
               <a:rPr lang="vi-VN" smtClean="0"/>
-              <a:t>20/08/2022</a:t>
+              <a:t>29/10/2022</a:t>
             </a:fld>
             <a:endParaRPr lang="vi-VN"/>
           </a:p>
@@ -2753,7 +2758,7 @@
           <a:p>
             <a:fld id="{A287B2F1-08B8-4460-BD11-B65D993BFD8E}" type="datetimeFigureOut">
               <a:rPr lang="vi-VN" smtClean="0"/>
-              <a:t>20/08/2022</a:t>
+              <a:t>29/10/2022</a:t>
             </a:fld>
             <a:endParaRPr lang="vi-VN"/>
           </a:p>
@@ -3181,24 +3186,7 @@
                 <a:latin typeface="微軟正黑體" pitchFamily="34" charset="-120"/>
                 <a:ea typeface="微軟正黑體" pitchFamily="34" charset="-120"/>
               </a:rPr>
-              <a:t>跟</a:t>
-            </a:r>
-            <a:r>
-              <a:rPr lang="zh-CN" altLang="en-US" sz="7200" b="1" i="1" dirty="0">
-                <a:solidFill>
-                  <a:srgbClr val="660033"/>
-                </a:solidFill>
-                <a:effectLst>
-                  <a:outerShdw blurRad="38100" dist="38100" dir="2700000" algn="tl">
-                    <a:srgbClr val="000000">
-                      <a:alpha val="43137"/>
-                    </a:srgbClr>
-                  </a:outerShdw>
-                </a:effectLst>
-                <a:latin typeface="微軟正黑體" pitchFamily="34" charset="-120"/>
-                <a:ea typeface="微軟正黑體" pitchFamily="34" charset="-120"/>
-              </a:rPr>
-              <a:t>從主</a:t>
+              <a:t>跟從主</a:t>
             </a:r>
             <a:endParaRPr lang="zh-TW" altLang="en-US" sz="7200" b="1" i="1" dirty="0">
               <a:solidFill>
@@ -3807,27 +3795,7 @@
                 <a:ea typeface="Microsoft JhengHei" panose="020B0604030504040204" pitchFamily="34" charset="-120"/>
                 <a:cs typeface="Arial" panose="020B0604020202020204" pitchFamily="34" charset="0"/>
               </a:rPr>
-              <a:t>( </a:t>
-            </a:r>
-            <a:r>
-              <a:rPr lang="en-US" sz="4267" b="1" dirty="0">
-                <a:solidFill>
-                  <a:srgbClr val="000066"/>
-                </a:solidFill>
-                <a:ea typeface="Microsoft JhengHei" panose="020B0604030504040204" pitchFamily="34" charset="-120"/>
-                <a:cs typeface="Arial" panose="020B0604020202020204" pitchFamily="34" charset="0"/>
-              </a:rPr>
-              <a:t>2 / 4 </a:t>
-            </a:r>
-            <a:r>
-              <a:rPr lang="en-US" sz="4267" b="1" dirty="0">
-                <a:solidFill>
-                  <a:srgbClr val="000066"/>
-                </a:solidFill>
-                <a:ea typeface="Microsoft JhengHei" panose="020B0604030504040204" pitchFamily="34" charset="-120"/>
-                <a:cs typeface="Arial" panose="020B0604020202020204" pitchFamily="34" charset="0"/>
-              </a:rPr>
-              <a:t>)</a:t>
+              <a:t>( 2 / 4 )</a:t>
             </a:r>
             <a:endParaRPr lang="vi-VN" sz="4267" b="1" dirty="0">
               <a:solidFill>
@@ -4261,27 +4229,7 @@
                 <a:ea typeface="Microsoft JhengHei" panose="020B0604030504040204" pitchFamily="34" charset="-120"/>
                 <a:cs typeface="Arial" panose="020B0604020202020204" pitchFamily="34" charset="0"/>
               </a:rPr>
-              <a:t>( </a:t>
-            </a:r>
-            <a:r>
-              <a:rPr lang="en-US" sz="4267" b="1" dirty="0">
-                <a:solidFill>
-                  <a:srgbClr val="000066"/>
-                </a:solidFill>
-                <a:ea typeface="Microsoft JhengHei" panose="020B0604030504040204" pitchFamily="34" charset="-120"/>
-                <a:cs typeface="Arial" panose="020B0604020202020204" pitchFamily="34" charset="0"/>
-              </a:rPr>
-              <a:t>2 / 4 </a:t>
-            </a:r>
-            <a:r>
-              <a:rPr lang="en-US" sz="4267" b="1" dirty="0">
-                <a:solidFill>
-                  <a:srgbClr val="000066"/>
-                </a:solidFill>
-                <a:ea typeface="Microsoft JhengHei" panose="020B0604030504040204" pitchFamily="34" charset="-120"/>
-                <a:cs typeface="Arial" panose="020B0604020202020204" pitchFamily="34" charset="0"/>
-              </a:rPr>
-              <a:t>)</a:t>
+              <a:t>( 2 / 4 )</a:t>
             </a:r>
             <a:endParaRPr lang="vi-VN" sz="4267" b="1" dirty="0">
               <a:solidFill>
@@ -5669,27 +5617,7 @@
                 <a:ea typeface="Microsoft JhengHei" panose="020B0604030504040204" pitchFamily="34" charset="-120"/>
                 <a:cs typeface="Arial" panose="020B0604020202020204" pitchFamily="34" charset="0"/>
               </a:rPr>
-              <a:t>( </a:t>
-            </a:r>
-            <a:r>
-              <a:rPr lang="en-US" sz="4267" b="1" dirty="0">
-                <a:solidFill>
-                  <a:srgbClr val="000066"/>
-                </a:solidFill>
-                <a:ea typeface="Microsoft JhengHei" panose="020B0604030504040204" pitchFamily="34" charset="-120"/>
-                <a:cs typeface="Arial" panose="020B0604020202020204" pitchFamily="34" charset="0"/>
-              </a:rPr>
-              <a:t>3 / 4 </a:t>
-            </a:r>
-            <a:r>
-              <a:rPr lang="en-US" sz="4267" b="1" dirty="0">
-                <a:solidFill>
-                  <a:srgbClr val="000066"/>
-                </a:solidFill>
-                <a:ea typeface="Microsoft JhengHei" panose="020B0604030504040204" pitchFamily="34" charset="-120"/>
-                <a:cs typeface="Arial" panose="020B0604020202020204" pitchFamily="34" charset="0"/>
-              </a:rPr>
-              <a:t>)</a:t>
+              <a:t>( 3 / 4 )</a:t>
             </a:r>
             <a:endParaRPr lang="vi-VN" sz="4267" b="1" dirty="0">
               <a:solidFill>
@@ -6123,27 +6051,7 @@
                 <a:ea typeface="Microsoft JhengHei" panose="020B0604030504040204" pitchFamily="34" charset="-120"/>
                 <a:cs typeface="Arial" panose="020B0604020202020204" pitchFamily="34" charset="0"/>
               </a:rPr>
-              <a:t>( </a:t>
-            </a:r>
-            <a:r>
-              <a:rPr lang="en-US" sz="4267" b="1" dirty="0">
-                <a:solidFill>
-                  <a:srgbClr val="000066"/>
-                </a:solidFill>
-                <a:ea typeface="Microsoft JhengHei" panose="020B0604030504040204" pitchFamily="34" charset="-120"/>
-                <a:cs typeface="Arial" panose="020B0604020202020204" pitchFamily="34" charset="0"/>
-              </a:rPr>
-              <a:t>3 / 4 </a:t>
-            </a:r>
-            <a:r>
-              <a:rPr lang="en-US" sz="4267" b="1" dirty="0">
-                <a:solidFill>
-                  <a:srgbClr val="000066"/>
-                </a:solidFill>
-                <a:ea typeface="Microsoft JhengHei" panose="020B0604030504040204" pitchFamily="34" charset="-120"/>
-                <a:cs typeface="Arial" panose="020B0604020202020204" pitchFamily="34" charset="0"/>
-              </a:rPr>
-              <a:t>)</a:t>
+              <a:t>( 3 / 4 )</a:t>
             </a:r>
             <a:endParaRPr lang="vi-VN" sz="4267" b="1" dirty="0">
               <a:solidFill>
@@ -6599,27 +6507,7 @@
                 <a:ea typeface="Microsoft JhengHei" panose="020B0604030504040204" pitchFamily="34" charset="-120"/>
                 <a:cs typeface="Arial" panose="020B0604020202020204" pitchFamily="34" charset="0"/>
               </a:rPr>
-              <a:t>( </a:t>
-            </a:r>
-            <a:r>
-              <a:rPr lang="en-US" sz="4267" b="1" dirty="0">
-                <a:solidFill>
-                  <a:srgbClr val="000066"/>
-                </a:solidFill>
-                <a:ea typeface="Microsoft JhengHei" panose="020B0604030504040204" pitchFamily="34" charset="-120"/>
-                <a:cs typeface="Arial" panose="020B0604020202020204" pitchFamily="34" charset="0"/>
-              </a:rPr>
-              <a:t>3 / 4 </a:t>
-            </a:r>
-            <a:r>
-              <a:rPr lang="en-US" sz="4267" b="1" dirty="0">
-                <a:solidFill>
-                  <a:srgbClr val="000066"/>
-                </a:solidFill>
-                <a:ea typeface="Microsoft JhengHei" panose="020B0604030504040204" pitchFamily="34" charset="-120"/>
-                <a:cs typeface="Arial" panose="020B0604020202020204" pitchFamily="34" charset="0"/>
-              </a:rPr>
-              <a:t>)</a:t>
+              <a:t>( 3 / 4 )</a:t>
             </a:r>
             <a:endParaRPr lang="vi-VN" sz="4267" b="1" dirty="0">
               <a:solidFill>
@@ -7031,27 +6919,7 @@
                 <a:ea typeface="Microsoft JhengHei" panose="020B0604030504040204" pitchFamily="34" charset="-120"/>
                 <a:cs typeface="Arial" panose="020B0604020202020204" pitchFamily="34" charset="0"/>
               </a:rPr>
-              <a:t>( </a:t>
-            </a:r>
-            <a:r>
-              <a:rPr lang="en-US" sz="4267" b="1" dirty="0">
-                <a:solidFill>
-                  <a:srgbClr val="000066"/>
-                </a:solidFill>
-                <a:ea typeface="Microsoft JhengHei" panose="020B0604030504040204" pitchFamily="34" charset="-120"/>
-                <a:cs typeface="Arial" panose="020B0604020202020204" pitchFamily="34" charset="0"/>
-              </a:rPr>
-              <a:t>3 / 4 </a:t>
-            </a:r>
-            <a:r>
-              <a:rPr lang="en-US" sz="4267" b="1" dirty="0">
-                <a:solidFill>
-                  <a:srgbClr val="000066"/>
-                </a:solidFill>
-                <a:ea typeface="Microsoft JhengHei" panose="020B0604030504040204" pitchFamily="34" charset="-120"/>
-                <a:cs typeface="Arial" panose="020B0604020202020204" pitchFamily="34" charset="0"/>
-              </a:rPr>
-              <a:t>)</a:t>
+              <a:t>( 3 / 4 )</a:t>
             </a:r>
             <a:endParaRPr lang="vi-VN" sz="4267" b="1" dirty="0">
               <a:solidFill>
@@ -8073,6 +7941,16 @@
               <a:buNone/>
             </a:pPr>
             <a:r>
+              <a:rPr lang="zh-CN" altLang="en-US" sz="6400" b="1" smtClean="0">
+                <a:solidFill>
+                  <a:srgbClr val="660033"/>
+                </a:solidFill>
+                <a:latin typeface="微軟正黑體" pitchFamily="34" charset="-120"/>
+                <a:ea typeface="微軟正黑體" pitchFamily="34" charset="-120"/>
+              </a:rPr>
+              <a:t>與主同</a:t>
+            </a:r>
+            <a:r>
               <a:rPr lang="zh-CN" altLang="en-US" sz="6400" b="1" dirty="0">
                 <a:solidFill>
                   <a:srgbClr val="660033"/>
@@ -8080,7 +7958,7 @@
                 <a:latin typeface="微軟正黑體" pitchFamily="34" charset="-120"/>
                 <a:ea typeface="微軟正黑體" pitchFamily="34" charset="-120"/>
               </a:rPr>
-              <a:t>與神同行情意何佳美</a:t>
+              <a:t>行情意何佳美</a:t>
             </a:r>
             <a:endParaRPr lang="en-US" altLang="zh-CN" sz="6400" b="1" dirty="0">
               <a:solidFill>
@@ -8439,27 +8317,7 @@
                 <a:ea typeface="Microsoft JhengHei" panose="020B0604030504040204" pitchFamily="34" charset="-120"/>
                 <a:cs typeface="Arial" panose="020B0604020202020204" pitchFamily="34" charset="0"/>
               </a:rPr>
-              <a:t>( </a:t>
-            </a:r>
-            <a:r>
-              <a:rPr lang="en-US" sz="4267" b="1" dirty="0">
-                <a:solidFill>
-                  <a:srgbClr val="000066"/>
-                </a:solidFill>
-                <a:ea typeface="Microsoft JhengHei" panose="020B0604030504040204" pitchFamily="34" charset="-120"/>
-                <a:cs typeface="Arial" panose="020B0604020202020204" pitchFamily="34" charset="0"/>
-              </a:rPr>
-              <a:t>1 / 4 </a:t>
-            </a:r>
-            <a:r>
-              <a:rPr lang="en-US" sz="4267" b="1" dirty="0">
-                <a:solidFill>
-                  <a:srgbClr val="000066"/>
-                </a:solidFill>
-                <a:ea typeface="Microsoft JhengHei" panose="020B0604030504040204" pitchFamily="34" charset="-120"/>
-                <a:cs typeface="Arial" panose="020B0604020202020204" pitchFamily="34" charset="0"/>
-              </a:rPr>
-              <a:t>)</a:t>
+              <a:t>( 1 / 4 )</a:t>
             </a:r>
             <a:endParaRPr lang="vi-VN" sz="4267" b="1" dirty="0">
               <a:solidFill>
@@ -8893,27 +8751,7 @@
                 <a:ea typeface="Microsoft JhengHei" panose="020B0604030504040204" pitchFamily="34" charset="-120"/>
                 <a:cs typeface="Arial" panose="020B0604020202020204" pitchFamily="34" charset="0"/>
               </a:rPr>
-              <a:t>( </a:t>
-            </a:r>
-            <a:r>
-              <a:rPr lang="en-US" sz="4267" b="1" dirty="0">
-                <a:solidFill>
-                  <a:srgbClr val="000066"/>
-                </a:solidFill>
-                <a:ea typeface="Microsoft JhengHei" panose="020B0604030504040204" pitchFamily="34" charset="-120"/>
-                <a:cs typeface="Arial" panose="020B0604020202020204" pitchFamily="34" charset="0"/>
-              </a:rPr>
-              <a:t>4 / 4 </a:t>
-            </a:r>
-            <a:r>
-              <a:rPr lang="en-US" sz="4267" b="1" dirty="0">
-                <a:solidFill>
-                  <a:srgbClr val="000066"/>
-                </a:solidFill>
-                <a:ea typeface="Microsoft JhengHei" panose="020B0604030504040204" pitchFamily="34" charset="-120"/>
-                <a:cs typeface="Arial" panose="020B0604020202020204" pitchFamily="34" charset="0"/>
-              </a:rPr>
-              <a:t>)</a:t>
+              <a:t>( 4 / 4 )</a:t>
             </a:r>
             <a:endParaRPr lang="vi-VN" sz="4267" b="1" dirty="0">
               <a:solidFill>
@@ -9294,14 +9132,6 @@
               </a:rPr>
               <a:t> an</a:t>
             </a:r>
-            <a:endParaRPr lang="en-US" sz="4000" b="1" dirty="0">
-              <a:solidFill>
-                <a:srgbClr val="000066"/>
-              </a:solidFill>
-              <a:latin typeface="Calibri" panose="020F0502020204030204" pitchFamily="34" charset="0"/>
-              <a:ea typeface="微軟正黑體" pitchFamily="34" charset="-120"/>
-              <a:cs typeface="Calibri" panose="020F0502020204030204" pitchFamily="34" charset="0"/>
-            </a:endParaRPr>
           </a:p>
         </p:txBody>
       </p:sp>
@@ -9336,27 +9166,7 @@
                 <a:ea typeface="Microsoft JhengHei" panose="020B0604030504040204" pitchFamily="34" charset="-120"/>
                 <a:cs typeface="Arial" panose="020B0604020202020204" pitchFamily="34" charset="0"/>
               </a:rPr>
-              <a:t>( </a:t>
-            </a:r>
-            <a:r>
-              <a:rPr lang="en-US" sz="4267" b="1" dirty="0">
-                <a:solidFill>
-                  <a:srgbClr val="000066"/>
-                </a:solidFill>
-                <a:ea typeface="Microsoft JhengHei" panose="020B0604030504040204" pitchFamily="34" charset="-120"/>
-                <a:cs typeface="Arial" panose="020B0604020202020204" pitchFamily="34" charset="0"/>
-              </a:rPr>
-              <a:t>4 / 4 </a:t>
-            </a:r>
-            <a:r>
-              <a:rPr lang="en-US" sz="4267" b="1" dirty="0">
-                <a:solidFill>
-                  <a:srgbClr val="000066"/>
-                </a:solidFill>
-                <a:ea typeface="Microsoft JhengHei" panose="020B0604030504040204" pitchFamily="34" charset="-120"/>
-                <a:cs typeface="Arial" panose="020B0604020202020204" pitchFamily="34" charset="0"/>
-              </a:rPr>
-              <a:t>)</a:t>
+              <a:t>( 4 / 4 )</a:t>
             </a:r>
             <a:endParaRPr lang="vi-VN" sz="4267" b="1" dirty="0">
               <a:solidFill>
@@ -9812,27 +9622,7 @@
                 <a:ea typeface="Microsoft JhengHei" panose="020B0604030504040204" pitchFamily="34" charset="-120"/>
                 <a:cs typeface="Arial" panose="020B0604020202020204" pitchFamily="34" charset="0"/>
               </a:rPr>
-              <a:t>( </a:t>
-            </a:r>
-            <a:r>
-              <a:rPr lang="en-US" sz="4267" b="1" dirty="0">
-                <a:solidFill>
-                  <a:srgbClr val="000066"/>
-                </a:solidFill>
-                <a:ea typeface="Microsoft JhengHei" panose="020B0604030504040204" pitchFamily="34" charset="-120"/>
-                <a:cs typeface="Arial" panose="020B0604020202020204" pitchFamily="34" charset="0"/>
-              </a:rPr>
-              <a:t>4 / 4 </a:t>
-            </a:r>
-            <a:r>
-              <a:rPr lang="en-US" sz="4267" b="1" dirty="0">
-                <a:solidFill>
-                  <a:srgbClr val="000066"/>
-                </a:solidFill>
-                <a:ea typeface="Microsoft JhengHei" panose="020B0604030504040204" pitchFamily="34" charset="-120"/>
-                <a:cs typeface="Arial" panose="020B0604020202020204" pitchFamily="34" charset="0"/>
-              </a:rPr>
-              <a:t>)</a:t>
+              <a:t>( 4 / 4 )</a:t>
             </a:r>
             <a:endParaRPr lang="vi-VN" sz="4267" b="1" dirty="0">
               <a:solidFill>
@@ -10266,27 +10056,7 @@
                 <a:ea typeface="Microsoft JhengHei" panose="020B0604030504040204" pitchFamily="34" charset="-120"/>
                 <a:cs typeface="Arial" panose="020B0604020202020204" pitchFamily="34" charset="0"/>
               </a:rPr>
-              <a:t>( </a:t>
-            </a:r>
-            <a:r>
-              <a:rPr lang="en-US" sz="4267" b="1" dirty="0">
-                <a:solidFill>
-                  <a:srgbClr val="000066"/>
-                </a:solidFill>
-                <a:ea typeface="Microsoft JhengHei" panose="020B0604030504040204" pitchFamily="34" charset="-120"/>
-                <a:cs typeface="Arial" panose="020B0604020202020204" pitchFamily="34" charset="0"/>
-              </a:rPr>
-              <a:t>4 / 4 </a:t>
-            </a:r>
-            <a:r>
-              <a:rPr lang="en-US" sz="4267" b="1" dirty="0">
-                <a:solidFill>
-                  <a:srgbClr val="000066"/>
-                </a:solidFill>
-                <a:ea typeface="Microsoft JhengHei" panose="020B0604030504040204" pitchFamily="34" charset="-120"/>
-                <a:cs typeface="Arial" panose="020B0604020202020204" pitchFamily="34" charset="0"/>
-              </a:rPr>
-              <a:t>)</a:t>
+              <a:t>( 4 / 4 )</a:t>
             </a:r>
             <a:endParaRPr lang="vi-VN" sz="4267" b="1" dirty="0">
               <a:solidFill>
@@ -11621,14 +11391,6 @@
               </a:rPr>
               <a:t> an</a:t>
             </a:r>
-            <a:endParaRPr lang="en-US" sz="4000" b="1" dirty="0">
-              <a:solidFill>
-                <a:srgbClr val="000066"/>
-              </a:solidFill>
-              <a:latin typeface="Calibri" panose="020F0502020204030204" pitchFamily="34" charset="0"/>
-              <a:ea typeface="微軟正黑體" pitchFamily="34" charset="-120"/>
-              <a:cs typeface="Calibri" panose="020F0502020204030204" pitchFamily="34" charset="0"/>
-            </a:endParaRPr>
           </a:p>
         </p:txBody>
       </p:sp>
@@ -11663,27 +11425,7 @@
                 <a:ea typeface="Microsoft JhengHei" panose="020B0604030504040204" pitchFamily="34" charset="-120"/>
                 <a:cs typeface="Arial" panose="020B0604020202020204" pitchFamily="34" charset="0"/>
               </a:rPr>
-              <a:t>( </a:t>
-            </a:r>
-            <a:r>
-              <a:rPr lang="en-US" sz="4267" b="1" dirty="0">
-                <a:solidFill>
-                  <a:srgbClr val="000066"/>
-                </a:solidFill>
-                <a:ea typeface="Microsoft JhengHei" panose="020B0604030504040204" pitchFamily="34" charset="-120"/>
-                <a:cs typeface="Arial" panose="020B0604020202020204" pitchFamily="34" charset="0"/>
-              </a:rPr>
-              <a:t>1 / 4 </a:t>
-            </a:r>
-            <a:r>
-              <a:rPr lang="en-US" sz="4267" b="1" dirty="0">
-                <a:solidFill>
-                  <a:srgbClr val="000066"/>
-                </a:solidFill>
-                <a:ea typeface="Microsoft JhengHei" panose="020B0604030504040204" pitchFamily="34" charset="-120"/>
-                <a:cs typeface="Arial" panose="020B0604020202020204" pitchFamily="34" charset="0"/>
-              </a:rPr>
-              <a:t>)</a:t>
+              <a:t>( 1 / 4 )</a:t>
             </a:r>
             <a:endParaRPr lang="vi-VN" sz="4267" b="1" dirty="0">
               <a:solidFill>
@@ -12139,27 +11881,7 @@
                 <a:ea typeface="Microsoft JhengHei" panose="020B0604030504040204" pitchFamily="34" charset="-120"/>
                 <a:cs typeface="Arial" panose="020B0604020202020204" pitchFamily="34" charset="0"/>
               </a:rPr>
-              <a:t>( </a:t>
-            </a:r>
-            <a:r>
-              <a:rPr lang="en-US" sz="4267" b="1" dirty="0">
-                <a:solidFill>
-                  <a:srgbClr val="000066"/>
-                </a:solidFill>
-                <a:ea typeface="Microsoft JhengHei" panose="020B0604030504040204" pitchFamily="34" charset="-120"/>
-                <a:cs typeface="Arial" panose="020B0604020202020204" pitchFamily="34" charset="0"/>
-              </a:rPr>
-              <a:t>1 / 4 </a:t>
-            </a:r>
-            <a:r>
-              <a:rPr lang="en-US" sz="4267" b="1" dirty="0">
-                <a:solidFill>
-                  <a:srgbClr val="000066"/>
-                </a:solidFill>
-                <a:ea typeface="Microsoft JhengHei" panose="020B0604030504040204" pitchFamily="34" charset="-120"/>
-                <a:cs typeface="Arial" panose="020B0604020202020204" pitchFamily="34" charset="0"/>
-              </a:rPr>
-              <a:t>)</a:t>
+              <a:t>( 1 / 4 )</a:t>
             </a:r>
             <a:endParaRPr lang="vi-VN" sz="4267" b="1" dirty="0">
               <a:solidFill>
@@ -12593,27 +12315,7 @@
                 <a:ea typeface="Microsoft JhengHei" panose="020B0604030504040204" pitchFamily="34" charset="-120"/>
                 <a:cs typeface="Arial" panose="020B0604020202020204" pitchFamily="34" charset="0"/>
               </a:rPr>
-              <a:t>( </a:t>
-            </a:r>
-            <a:r>
-              <a:rPr lang="en-US" sz="4267" b="1" dirty="0">
-                <a:solidFill>
-                  <a:srgbClr val="000066"/>
-                </a:solidFill>
-                <a:ea typeface="Microsoft JhengHei" panose="020B0604030504040204" pitchFamily="34" charset="-120"/>
-                <a:cs typeface="Arial" panose="020B0604020202020204" pitchFamily="34" charset="0"/>
-              </a:rPr>
-              <a:t>1 / 4 </a:t>
-            </a:r>
-            <a:r>
-              <a:rPr lang="en-US" sz="4267" b="1" dirty="0">
-                <a:solidFill>
-                  <a:srgbClr val="000066"/>
-                </a:solidFill>
-                <a:ea typeface="Microsoft JhengHei" panose="020B0604030504040204" pitchFamily="34" charset="-120"/>
-                <a:cs typeface="Arial" panose="020B0604020202020204" pitchFamily="34" charset="0"/>
-              </a:rPr>
-              <a:t>)</a:t>
+              <a:t>( 1 / 4 )</a:t>
             </a:r>
             <a:endParaRPr lang="vi-VN" sz="4267" b="1" dirty="0">
               <a:solidFill>
@@ -13979,27 +13681,7 @@
                 <a:ea typeface="Microsoft JhengHei" panose="020B0604030504040204" pitchFamily="34" charset="-120"/>
                 <a:cs typeface="Arial" panose="020B0604020202020204" pitchFamily="34" charset="0"/>
               </a:rPr>
-              <a:t>( </a:t>
-            </a:r>
-            <a:r>
-              <a:rPr lang="en-US" sz="4267" b="1" dirty="0">
-                <a:solidFill>
-                  <a:srgbClr val="000066"/>
-                </a:solidFill>
-                <a:ea typeface="Microsoft JhengHei" panose="020B0604030504040204" pitchFamily="34" charset="-120"/>
-                <a:cs typeface="Arial" panose="020B0604020202020204" pitchFamily="34" charset="0"/>
-              </a:rPr>
-              <a:t>2 / 4 </a:t>
-            </a:r>
-            <a:r>
-              <a:rPr lang="en-US" sz="4267" b="1" dirty="0">
-                <a:solidFill>
-                  <a:srgbClr val="000066"/>
-                </a:solidFill>
-                <a:ea typeface="Microsoft JhengHei" panose="020B0604030504040204" pitchFamily="34" charset="-120"/>
-                <a:cs typeface="Arial" panose="020B0604020202020204" pitchFamily="34" charset="0"/>
-              </a:rPr>
-              <a:t>)</a:t>
+              <a:t>( 2 / 4 )</a:t>
             </a:r>
             <a:endParaRPr lang="vi-VN" sz="4267" b="1" dirty="0">
               <a:solidFill>
@@ -14411,27 +14093,7 @@
                 <a:ea typeface="Microsoft JhengHei" panose="020B0604030504040204" pitchFamily="34" charset="-120"/>
                 <a:cs typeface="Arial" panose="020B0604020202020204" pitchFamily="34" charset="0"/>
               </a:rPr>
-              <a:t>( </a:t>
-            </a:r>
-            <a:r>
-              <a:rPr lang="en-US" sz="4267" b="1" dirty="0">
-                <a:solidFill>
-                  <a:srgbClr val="000066"/>
-                </a:solidFill>
-                <a:ea typeface="Microsoft JhengHei" panose="020B0604030504040204" pitchFamily="34" charset="-120"/>
-                <a:cs typeface="Arial" panose="020B0604020202020204" pitchFamily="34" charset="0"/>
-              </a:rPr>
-              <a:t>2 / 4 </a:t>
-            </a:r>
-            <a:r>
-              <a:rPr lang="en-US" sz="4267" b="1" dirty="0">
-                <a:solidFill>
-                  <a:srgbClr val="000066"/>
-                </a:solidFill>
-                <a:ea typeface="Microsoft JhengHei" panose="020B0604030504040204" pitchFamily="34" charset="-120"/>
-                <a:cs typeface="Arial" panose="020B0604020202020204" pitchFamily="34" charset="0"/>
-              </a:rPr>
-              <a:t>)</a:t>
+              <a:t>( 2 / 4 )</a:t>
             </a:r>
             <a:endParaRPr lang="vi-VN" sz="4267" b="1" dirty="0">
               <a:solidFill>
